--- a/design/2016/models/HowToHoldBlock.pptx
+++ b/design/2016/models/HowToHoldBlock.pptx
@@ -307,7 +307,7 @@
           <a:p>
             <a:fld id="{D3DD6385-1E20-4E75-938E-8CB9243ED2AB}" type="datetimeFigureOut">
               <a:rPr kumimoji="1" lang="ja-JP" altLang="en-US" smtClean="0"/>
-              <a:t>2016/8/15</a:t>
+              <a:t>2016/8/17</a:t>
             </a:fld>
             <a:endParaRPr kumimoji="1" lang="ja-JP" altLang="en-US"/>
           </a:p>
@@ -509,7 +509,7 @@
           <a:p>
             <a:fld id="{D3DD6385-1E20-4E75-938E-8CB9243ED2AB}" type="datetimeFigureOut">
               <a:rPr kumimoji="1" lang="ja-JP" altLang="en-US" smtClean="0"/>
-              <a:t>2016/8/15</a:t>
+              <a:t>2016/8/17</a:t>
             </a:fld>
             <a:endParaRPr kumimoji="1" lang="ja-JP" altLang="en-US"/>
           </a:p>
@@ -721,7 +721,7 @@
           <a:p>
             <a:fld id="{D3DD6385-1E20-4E75-938E-8CB9243ED2AB}" type="datetimeFigureOut">
               <a:rPr kumimoji="1" lang="ja-JP" altLang="en-US" smtClean="0"/>
-              <a:t>2016/8/15</a:t>
+              <a:t>2016/8/17</a:t>
             </a:fld>
             <a:endParaRPr kumimoji="1" lang="ja-JP" altLang="en-US"/>
           </a:p>
@@ -923,7 +923,7 @@
           <a:p>
             <a:fld id="{D3DD6385-1E20-4E75-938E-8CB9243ED2AB}" type="datetimeFigureOut">
               <a:rPr kumimoji="1" lang="ja-JP" altLang="en-US" smtClean="0"/>
-              <a:t>2016/8/15</a:t>
+              <a:t>2016/8/17</a:t>
             </a:fld>
             <a:endParaRPr kumimoji="1" lang="ja-JP" altLang="en-US"/>
           </a:p>
@@ -1169,7 +1169,7 @@
           <a:p>
             <a:fld id="{D3DD6385-1E20-4E75-938E-8CB9243ED2AB}" type="datetimeFigureOut">
               <a:rPr kumimoji="1" lang="ja-JP" altLang="en-US" smtClean="0"/>
-              <a:t>2016/8/15</a:t>
+              <a:t>2016/8/17</a:t>
             </a:fld>
             <a:endParaRPr kumimoji="1" lang="ja-JP" altLang="en-US"/>
           </a:p>
@@ -1521,7 +1521,7 @@
           <a:p>
             <a:fld id="{D3DD6385-1E20-4E75-938E-8CB9243ED2AB}" type="datetimeFigureOut">
               <a:rPr kumimoji="1" lang="ja-JP" altLang="en-US" smtClean="0"/>
-              <a:t>2016/8/15</a:t>
+              <a:t>2016/8/17</a:t>
             </a:fld>
             <a:endParaRPr kumimoji="1" lang="ja-JP" altLang="en-US"/>
           </a:p>
@@ -2007,7 +2007,7 @@
           <a:p>
             <a:fld id="{D3DD6385-1E20-4E75-938E-8CB9243ED2AB}" type="datetimeFigureOut">
               <a:rPr kumimoji="1" lang="ja-JP" altLang="en-US" smtClean="0"/>
-              <a:t>2016/8/15</a:t>
+              <a:t>2016/8/17</a:t>
             </a:fld>
             <a:endParaRPr kumimoji="1" lang="ja-JP" altLang="en-US"/>
           </a:p>
@@ -2125,7 +2125,7 @@
           <a:p>
             <a:fld id="{D3DD6385-1E20-4E75-938E-8CB9243ED2AB}" type="datetimeFigureOut">
               <a:rPr kumimoji="1" lang="ja-JP" altLang="en-US" smtClean="0"/>
-              <a:t>2016/8/15</a:t>
+              <a:t>2016/8/17</a:t>
             </a:fld>
             <a:endParaRPr kumimoji="1" lang="ja-JP" altLang="en-US"/>
           </a:p>
@@ -2220,7 +2220,7 @@
           <a:p>
             <a:fld id="{D3DD6385-1E20-4E75-938E-8CB9243ED2AB}" type="datetimeFigureOut">
               <a:rPr kumimoji="1" lang="ja-JP" altLang="en-US" smtClean="0"/>
-              <a:t>2016/8/15</a:t>
+              <a:t>2016/8/17</a:t>
             </a:fld>
             <a:endParaRPr kumimoji="1" lang="ja-JP" altLang="en-US"/>
           </a:p>
@@ -2529,7 +2529,7 @@
           <a:p>
             <a:fld id="{D3DD6385-1E20-4E75-938E-8CB9243ED2AB}" type="datetimeFigureOut">
               <a:rPr kumimoji="1" lang="ja-JP" altLang="en-US" smtClean="0"/>
-              <a:t>2016/8/15</a:t>
+              <a:t>2016/8/17</a:t>
             </a:fld>
             <a:endParaRPr kumimoji="1" lang="ja-JP" altLang="en-US"/>
           </a:p>
@@ -2782,7 +2782,7 @@
           <a:p>
             <a:fld id="{D3DD6385-1E20-4E75-938E-8CB9243ED2AB}" type="datetimeFigureOut">
               <a:rPr kumimoji="1" lang="ja-JP" altLang="en-US" smtClean="0"/>
-              <a:t>2016/8/15</a:t>
+              <a:t>2016/8/17</a:t>
             </a:fld>
             <a:endParaRPr kumimoji="1" lang="ja-JP" altLang="en-US"/>
           </a:p>
@@ -3027,7 +3027,7 @@
           <a:p>
             <a:fld id="{D3DD6385-1E20-4E75-938E-8CB9243ED2AB}" type="datetimeFigureOut">
               <a:rPr kumimoji="1" lang="ja-JP" altLang="en-US" smtClean="0"/>
-              <a:t>2016/8/15</a:t>
+              <a:t>2016/8/17</a:t>
             </a:fld>
             <a:endParaRPr kumimoji="1" lang="ja-JP" altLang="en-US"/>
           </a:p>
@@ -3768,21 +3768,7 @@
                 <a:latin typeface="HG丸ｺﾞｼｯｸM-PRO" panose="020F0600000000000000" pitchFamily="50" charset="-128"/>
                 <a:ea typeface="HG丸ｺﾞｼｯｸM-PRO" panose="020F0600000000000000" pitchFamily="50" charset="-128"/>
               </a:rPr>
-              <a:t>後退</a:t>
-            </a:r>
-            <a:r>
-              <a:rPr lang="ja-JP" altLang="en-US" sz="1050" dirty="0" smtClean="0">
-                <a:latin typeface="HG丸ｺﾞｼｯｸM-PRO" panose="020F0600000000000000" pitchFamily="50" charset="-128"/>
-                <a:ea typeface="HG丸ｺﾞｼｯｸM-PRO" panose="020F0600000000000000" pitchFamily="50" charset="-128"/>
-              </a:rPr>
-              <a:t>する</a:t>
-            </a:r>
-            <a:r>
-              <a:rPr lang="ja-JP" altLang="en-US" sz="1050" dirty="0" smtClean="0">
-                <a:latin typeface="HG丸ｺﾞｼｯｸM-PRO" panose="020F0600000000000000" pitchFamily="50" charset="-128"/>
-                <a:ea typeface="HG丸ｺﾞｼｯｸM-PRO" panose="020F0600000000000000" pitchFamily="50" charset="-128"/>
-              </a:rPr>
-              <a:t>。</a:t>
+              <a:t>後退する。</a:t>
             </a:r>
             <a:endParaRPr lang="en-US" altLang="ja-JP" sz="1050" dirty="0" smtClean="0">
               <a:latin typeface="HG丸ｺﾞｼｯｸM-PRO" panose="020F0600000000000000" pitchFamily="50" charset="-128"/>
@@ -3822,14 +3808,7 @@
                 <a:latin typeface="HG丸ｺﾞｼｯｸM-PRO" panose="020F0600000000000000" pitchFamily="50" charset="-128"/>
                 <a:ea typeface="HG丸ｺﾞｼｯｸM-PRO" panose="020F0600000000000000" pitchFamily="50" charset="-128"/>
               </a:rPr>
-              <a:t>アーム</a:t>
-            </a:r>
-            <a:r>
-              <a:rPr lang="ja-JP" altLang="en-US" sz="1050" dirty="0" smtClean="0">
-                <a:latin typeface="HG丸ｺﾞｼｯｸM-PRO" panose="020F0600000000000000" pitchFamily="50" charset="-128"/>
-                <a:ea typeface="HG丸ｺﾞｼｯｸM-PRO" panose="020F0600000000000000" pitchFamily="50" charset="-128"/>
-              </a:rPr>
-              <a:t>を</a:t>
+              <a:t>アームを</a:t>
             </a:r>
             <a:r>
               <a:rPr lang="en-US" altLang="ja-JP" sz="1050" b="1" dirty="0" smtClean="0">
@@ -13573,12 +13552,8 @@
           <a:lstStyle/>
           <a:p>
             <a:r>
-              <a:rPr kumimoji="1" lang="ja-JP" altLang="en-US" smtClean="0"/>
-              <a:t>ブロックの色</a:t>
-            </a:r>
-            <a:r>
               <a:rPr kumimoji="1" lang="ja-JP" altLang="en-US" dirty="0" smtClean="0"/>
-              <a:t>の取得難度は次の通り。</a:t>
+              <a:t>ブロックの色の取得難度は次の通り。</a:t>
             </a:r>
             <a:endParaRPr kumimoji="1" lang="en-US" altLang="ja-JP" dirty="0" smtClean="0"/>
           </a:p>
